--- a/Hajdu Bálint János/Algoritmus.pptx
+++ b/Hajdu Bálint János/Algoritmus.pptx
@@ -112,6 +112,11 @@
       </a:defRPr>
     </a:lvl9pPr>
   </p:defaultTextStyle>
+  <p:extLst>
+    <p:ext uri="{EFAFB233-063F-42B5-8137-9DF3F51BA10A}">
+      <p15:sldGuideLst xmlns:p15="http://schemas.microsoft.com/office/powerpoint/2012/main"/>
+    </p:ext>
+  </p:extLst>
 </p:presentation>
 </file>
 
@@ -887,7 +892,7 @@
             <a:fld id="{B61BEF0D-F0BB-DE4B-95CE-6DB70DBA9567}" type="datetimeFigureOut">
               <a:rPr lang="en-US" dirty="0"/>
               <a:pPr/>
-              <a:t>10/12/2023</a:t>
+              <a:t>11/23/2023</a:t>
             </a:fld>
             <a:endParaRPr lang="en-US" dirty="0"/>
           </a:p>
@@ -1135,7 +1140,7 @@
             <a:fld id="{B61BEF0D-F0BB-DE4B-95CE-6DB70DBA9567}" type="datetimeFigureOut">
               <a:rPr lang="en-US" dirty="0"/>
               <a:pPr/>
-              <a:t>10/12/2023</a:t>
+              <a:t>11/23/2023</a:t>
             </a:fld>
             <a:endParaRPr lang="en-US" dirty="0"/>
           </a:p>
@@ -1446,7 +1451,7 @@
             <a:fld id="{B61BEF0D-F0BB-DE4B-95CE-6DB70DBA9567}" type="datetimeFigureOut">
               <a:rPr lang="en-US" dirty="0"/>
               <a:pPr/>
-              <a:t>10/12/2023</a:t>
+              <a:t>11/23/2023</a:t>
             </a:fld>
             <a:endParaRPr lang="en-US" dirty="0"/>
           </a:p>
@@ -1776,7 +1781,7 @@
             <a:fld id="{B61BEF0D-F0BB-DE4B-95CE-6DB70DBA9567}" type="datetimeFigureOut">
               <a:rPr lang="en-US" dirty="0"/>
               <a:pPr/>
-              <a:t>10/12/2023</a:t>
+              <a:t>11/23/2023</a:t>
             </a:fld>
             <a:endParaRPr lang="en-US" dirty="0"/>
           </a:p>
@@ -2087,7 +2092,7 @@
             <a:fld id="{B61BEF0D-F0BB-DE4B-95CE-6DB70DBA9567}" type="datetimeFigureOut">
               <a:rPr lang="en-US" dirty="0"/>
               <a:pPr/>
-              <a:t>10/12/2023</a:t>
+              <a:t>11/23/2023</a:t>
             </a:fld>
             <a:endParaRPr lang="en-US" dirty="0"/>
           </a:p>
@@ -2477,7 +2482,7 @@
             <a:fld id="{B61BEF0D-F0BB-DE4B-95CE-6DB70DBA9567}" type="datetimeFigureOut">
               <a:rPr lang="en-US" dirty="0"/>
               <a:pPr/>
-              <a:t>10/12/2023</a:t>
+              <a:t>11/23/2023</a:t>
             </a:fld>
             <a:endParaRPr lang="en-US" dirty="0"/>
           </a:p>
@@ -2643,7 +2648,7 @@
           <a:p>
             <a:fld id="{55C6B4A9-1611-4792-9094-5F34BCA07E0B}" type="datetimeFigureOut">
               <a:rPr lang="en-US" dirty="0"/>
-              <a:t>10/12/2023</a:t>
+              <a:t>11/23/2023</a:t>
             </a:fld>
             <a:endParaRPr lang="en-US" dirty="0"/>
           </a:p>
@@ -2819,7 +2824,7 @@
             <a:fld id="{B61BEF0D-F0BB-DE4B-95CE-6DB70DBA9567}" type="datetimeFigureOut">
               <a:rPr lang="en-US" dirty="0"/>
               <a:pPr/>
-              <a:t>10/12/2023</a:t>
+              <a:t>11/23/2023</a:t>
             </a:fld>
             <a:endParaRPr lang="en-US" dirty="0"/>
           </a:p>
@@ -2985,7 +2990,7 @@
           <a:p>
             <a:fld id="{42A54C80-263E-416B-A8E0-580EDEADCBDC}" type="datetimeFigureOut">
               <a:rPr lang="en-US" dirty="0"/>
-              <a:t>10/12/2023</a:t>
+              <a:t>11/23/2023</a:t>
             </a:fld>
             <a:endParaRPr lang="en-US" dirty="0"/>
           </a:p>
@@ -3228,7 +3233,7 @@
             <a:fld id="{B61BEF0D-F0BB-DE4B-95CE-6DB70DBA9567}" type="datetimeFigureOut">
               <a:rPr lang="en-US" dirty="0"/>
               <a:pPr/>
-              <a:t>10/12/2023</a:t>
+              <a:t>11/23/2023</a:t>
             </a:fld>
             <a:endParaRPr lang="en-US" dirty="0"/>
           </a:p>
@@ -3456,7 +3461,7 @@
           <a:p>
             <a:fld id="{42A54C80-263E-416B-A8E0-580EDEADCBDC}" type="datetimeFigureOut">
               <a:rPr lang="en-US" dirty="0"/>
-              <a:t>10/12/2023</a:t>
+              <a:t>11/23/2023</a:t>
             </a:fld>
             <a:endParaRPr lang="en-US" dirty="0"/>
           </a:p>
@@ -3826,7 +3831,7 @@
             <a:fld id="{B61BEF0D-F0BB-DE4B-95CE-6DB70DBA9567}" type="datetimeFigureOut">
               <a:rPr lang="en-US" dirty="0"/>
               <a:pPr/>
-              <a:t>10/12/2023</a:t>
+              <a:t>11/23/2023</a:t>
             </a:fld>
             <a:endParaRPr lang="en-US" dirty="0"/>
           </a:p>
@@ -3946,7 +3951,7 @@
             <a:fld id="{B61BEF0D-F0BB-DE4B-95CE-6DB70DBA9567}" type="datetimeFigureOut">
               <a:rPr lang="en-US" dirty="0"/>
               <a:pPr/>
-              <a:t>10/12/2023</a:t>
+              <a:t>11/23/2023</a:t>
             </a:fld>
             <a:endParaRPr lang="en-US" dirty="0"/>
           </a:p>
@@ -4038,7 +4043,7 @@
             <a:fld id="{B61BEF0D-F0BB-DE4B-95CE-6DB70DBA9567}" type="datetimeFigureOut">
               <a:rPr lang="en-US" dirty="0"/>
               <a:pPr/>
-              <a:t>10/12/2023</a:t>
+              <a:t>11/23/2023</a:t>
             </a:fld>
             <a:endParaRPr lang="en-US" dirty="0"/>
           </a:p>
@@ -4289,7 +4294,7 @@
           <a:p>
             <a:fld id="{42A54C80-263E-416B-A8E0-580EDEADCBDC}" type="datetimeFigureOut">
               <a:rPr lang="en-US" dirty="0"/>
-              <a:t>10/12/2023</a:t>
+              <a:t>11/23/2023</a:t>
             </a:fld>
             <a:endParaRPr lang="en-US" dirty="0"/>
           </a:p>
@@ -4591,7 +4596,7 @@
             <a:fld id="{B61BEF0D-F0BB-DE4B-95CE-6DB70DBA9567}" type="datetimeFigureOut">
               <a:rPr lang="en-US" dirty="0"/>
               <a:pPr/>
-              <a:t>10/12/2023</a:t>
+              <a:t>11/23/2023</a:t>
             </a:fld>
             <a:endParaRPr lang="en-US" dirty="0"/>
           </a:p>
@@ -5289,7 +5294,7 @@
             <a:fld id="{B61BEF0D-F0BB-DE4B-95CE-6DB70DBA9567}" type="datetimeFigureOut">
               <a:rPr lang="en-US" dirty="0"/>
               <a:pPr/>
-              <a:t>10/12/2023</a:t>
+              <a:t>11/23/2023</a:t>
             </a:fld>
             <a:endParaRPr lang="en-US" dirty="0"/>
           </a:p>
@@ -5860,11 +5865,15 @@
           <a:p>
             <a:r>
               <a:rPr lang="hu-HU" dirty="0" err="1"/>
-              <a:t>Készitette:Bálint</a:t>
+              <a:t>Készitette</a:t>
+            </a:r>
+            <a:r>
+              <a:rPr lang="hu-HU"/>
+              <a:t>: Bálint </a:t>
             </a:r>
             <a:r>
               <a:rPr lang="hu-HU" dirty="0"/>
-              <a:t> csapata</a:t>
+              <a:t>csapata</a:t>
             </a:r>
           </a:p>
         </p:txBody>
@@ -5879,13 +5888,13 @@
   <p:clrMapOvr>
     <a:masterClrMapping/>
   </p:clrMapOvr>
-  <mc:AlternateContent xmlns:mc="http://schemas.openxmlformats.org/markup-compatibility/2006">
-    <mc:Choice xmlns:p14="http://schemas.microsoft.com/office/powerpoint/2010/main" Requires="p14">
+  <mc:AlternateContent xmlns:mc="http://schemas.openxmlformats.org/markup-compatibility/2006" xmlns:p14="http://schemas.microsoft.com/office/powerpoint/2010/main">
+    <mc:Choice Requires="p14">
       <p:transition spd="slow" p14:dur="1500">
         <p:split orient="vert"/>
       </p:transition>
     </mc:Choice>
-    <mc:Fallback>
+    <mc:Fallback xmlns="">
       <p:transition spd="slow">
         <p:split orient="vert"/>
       </p:transition>
@@ -6072,13 +6081,13 @@
   <p:clrMapOvr>
     <a:masterClrMapping/>
   </p:clrMapOvr>
-  <mc:AlternateContent xmlns:mc="http://schemas.openxmlformats.org/markup-compatibility/2006">
-    <mc:Choice xmlns:p14="http://schemas.microsoft.com/office/powerpoint/2010/main" Requires="p14">
+  <mc:AlternateContent xmlns:mc="http://schemas.openxmlformats.org/markup-compatibility/2006" xmlns:p14="http://schemas.microsoft.com/office/powerpoint/2010/main">
+    <mc:Choice Requires="p14">
       <p:transition spd="slow" p14:dur="1500">
         <p:split orient="vert"/>
       </p:transition>
     </mc:Choice>
-    <mc:Fallback>
+    <mc:Fallback xmlns="">
       <p:transition spd="slow">
         <p:split orient="vert"/>
       </p:transition>
@@ -6343,7 +6352,7 @@
           <a:p>
             <a:r>
               <a:rPr lang="hu-HU" b="1" dirty="0"/>
-              <a:t>Algoritmusok a Mindennapi Életünkben</a:t>
+              <a:t>Algoritmusok a mindennapi életünkben</a:t>
             </a:r>
             <a:endParaRPr lang="hu-HU" dirty="0"/>
           </a:p>
@@ -6570,13 +6579,13 @@
   <p:clrMapOvr>
     <a:masterClrMapping/>
   </p:clrMapOvr>
-  <mc:AlternateContent xmlns:mc="http://schemas.openxmlformats.org/markup-compatibility/2006">
-    <mc:Choice xmlns:p14="http://schemas.microsoft.com/office/powerpoint/2010/main" Requires="p14">
+  <mc:AlternateContent xmlns:mc="http://schemas.openxmlformats.org/markup-compatibility/2006" xmlns:p14="http://schemas.microsoft.com/office/powerpoint/2010/main">
+    <mc:Choice Requires="p14">
       <p:transition spd="slow" p14:dur="1500">
         <p:split orient="vert"/>
       </p:transition>
     </mc:Choice>
-    <mc:Fallback>
+    <mc:Fallback xmlns="">
       <p:transition spd="slow">
         <p:split orient="vert"/>
       </p:transition>
@@ -7182,13 +7191,13 @@
   <p:clrMapOvr>
     <a:masterClrMapping/>
   </p:clrMapOvr>
-  <mc:AlternateContent xmlns:mc="http://schemas.openxmlformats.org/markup-compatibility/2006">
-    <mc:Choice xmlns:p14="http://schemas.microsoft.com/office/powerpoint/2010/main" Requires="p14">
+  <mc:AlternateContent xmlns:mc="http://schemas.openxmlformats.org/markup-compatibility/2006" xmlns:p14="http://schemas.microsoft.com/office/powerpoint/2010/main">
+    <mc:Choice Requires="p14">
       <p:transition spd="slow" p14:dur="1500">
         <p:split orient="vert"/>
       </p:transition>
     </mc:Choice>
-    <mc:Fallback>
+    <mc:Fallback xmlns="">
       <p:transition spd="slow">
         <p:split orient="vert"/>
       </p:transition>
@@ -7570,15 +7579,7 @@
             </a:r>
             <a:r>
               <a:rPr lang="hu-HU" dirty="0"/>
-              <a:t>: Az algoritmusok segítségével felgyorsíthatjuk és hatékonyabbá tehetjük a feladatok végrehajtását, mint </a:t>
-            </a:r>
-            <a:r>
-              <a:rPr lang="hu-HU" dirty="0" err="1"/>
-              <a:t>például:weboldalak</a:t>
-            </a:r>
-            <a:r>
-              <a:rPr lang="hu-HU" dirty="0"/>
-              <a:t> betöltésénél vagy az adatbázisok lekérdezésénél.</a:t>
+              <a:t>: Az algoritmusok segítségével felgyorsíthatjuk és hatékonyabbá tehetjük a feladatok végrehajtását, mint például: weboldalak betöltésénél vagy az adatbázisok lekérdezésénél.</a:t>
             </a:r>
             <a:endParaRPr lang="hu-HU" b="1" dirty="0"/>
           </a:p>
@@ -7600,15 +7601,7 @@
             </a:r>
             <a:r>
               <a:rPr lang="hu-HU" dirty="0"/>
-              <a:t>: Az algoritmusok lehetővé teszik a nagy mennyiségű adat gyors és hatékony elemzését. Ez kulcsfontosságú a döntések támogatásában a vállalati világban és az </a:t>
-            </a:r>
-            <a:r>
-              <a:rPr lang="hu-HU" dirty="0" err="1"/>
-              <a:t>adatvezérelt</a:t>
-            </a:r>
-            <a:r>
-              <a:rPr lang="hu-HU" dirty="0"/>
-              <a:t> döntéshozatalban.</a:t>
+              <a:t>: Az algoritmusok lehetővé teszik a nagy mennyiségű adat gyors és hatékony elemzését. Ez kulcsfontosságú a döntések támogatásában a vállalati világban és az adat vezérelt döntéshozatalban.</a:t>
             </a:r>
           </a:p>
           <a:p>
@@ -7827,13 +7820,13 @@
   <p:clrMapOvr>
     <a:masterClrMapping/>
   </p:clrMapOvr>
-  <mc:AlternateContent xmlns:mc="http://schemas.openxmlformats.org/markup-compatibility/2006">
-    <mc:Choice xmlns:p14="http://schemas.microsoft.com/office/powerpoint/2010/main" Requires="p14">
+  <mc:AlternateContent xmlns:mc="http://schemas.openxmlformats.org/markup-compatibility/2006" xmlns:p14="http://schemas.microsoft.com/office/powerpoint/2010/main">
+    <mc:Choice Requires="p14">
       <p:transition spd="slow" p14:dur="1500">
         <p:split orient="vert"/>
       </p:transition>
     </mc:Choice>
-    <mc:Fallback>
+    <mc:Fallback xmlns="">
       <p:transition spd="slow">
         <p:split orient="vert"/>
       </p:transition>
@@ -8242,13 +8235,13 @@
   <p:clrMapOvr>
     <a:masterClrMapping/>
   </p:clrMapOvr>
-  <mc:AlternateContent xmlns:mc="http://schemas.openxmlformats.org/markup-compatibility/2006">
-    <mc:Choice xmlns:p14="http://schemas.microsoft.com/office/powerpoint/2010/main" Requires="p14">
+  <mc:AlternateContent xmlns:mc="http://schemas.openxmlformats.org/markup-compatibility/2006" xmlns:p14="http://schemas.microsoft.com/office/powerpoint/2010/main">
+    <mc:Choice Requires="p14">
       <p:transition spd="slow" p14:dur="1500">
         <p:split orient="vert"/>
       </p:transition>
     </mc:Choice>
-    <mc:Fallback>
+    <mc:Fallback xmlns="">
       <p:transition spd="slow">
         <p:split orient="vert"/>
       </p:transition>
@@ -8449,7 +8442,7 @@
           <a:p>
             <a:r>
               <a:rPr lang="hu-HU" dirty="0"/>
-              <a:t>Következtetés Folytatása</a:t>
+              <a:t>Következtetés folytatása</a:t>
             </a:r>
           </a:p>
         </p:txBody>
@@ -8572,13 +8565,13 @@
   <p:clrMapOvr>
     <a:masterClrMapping/>
   </p:clrMapOvr>
-  <mc:AlternateContent xmlns:mc="http://schemas.openxmlformats.org/markup-compatibility/2006">
-    <mc:Choice xmlns:p14="http://schemas.microsoft.com/office/powerpoint/2010/main" Requires="p14">
+  <mc:AlternateContent xmlns:mc="http://schemas.openxmlformats.org/markup-compatibility/2006" xmlns:p14="http://schemas.microsoft.com/office/powerpoint/2010/main">
+    <mc:Choice Requires="p14">
       <p:transition spd="slow" p14:dur="1500">
         <p:split orient="vert"/>
       </p:transition>
     </mc:Choice>
-    <mc:Fallback>
+    <mc:Fallback xmlns="">
       <p:transition spd="slow">
         <p:split orient="vert"/>
       </p:transition>
@@ -10127,13 +10120,13 @@
   <p:clrMapOvr>
     <a:masterClrMapping/>
   </p:clrMapOvr>
-  <mc:AlternateContent xmlns:mc="http://schemas.openxmlformats.org/markup-compatibility/2006">
-    <mc:Choice xmlns:p14="http://schemas.microsoft.com/office/powerpoint/2010/main" Requires="p14">
+  <mc:AlternateContent xmlns:mc="http://schemas.openxmlformats.org/markup-compatibility/2006" xmlns:p14="http://schemas.microsoft.com/office/powerpoint/2010/main">
+    <mc:Choice Requires="p14">
       <p:transition spd="slow" p14:dur="1500">
         <p:split orient="vert"/>
       </p:transition>
     </mc:Choice>
-    <mc:Fallback>
+    <mc:Fallback xmlns="">
       <p:transition spd="slow">
         <p:split orient="vert"/>
       </p:transition>
